--- a/DataWarehouse_2020_chieu_nhom15.pptx
+++ b/DataWarehouse_2020_chieu_nhom15.pptx
@@ -236,7 +236,7 @@
           <a:p>
             <a:fld id="{F780AEA8-5F38-4ECE-A5D9-F5337670C0F8}" type="datetimeFigureOut">
               <a:rPr lang="en-US" smtClean="0"/>
-              <a:t>8/10/2020</a:t>
+              <a:t>8/11/2020</a:t>
             </a:fld>
             <a:endParaRPr lang="en-US"/>
           </a:p>
@@ -406,7 +406,7 @@
           <a:p>
             <a:fld id="{69C9B0C7-7F1E-4F6B-9AC4-424F85C7F336}" type="datetimeFigureOut">
               <a:rPr lang="en-US" smtClean="0"/>
-              <a:t>8/10/2020</a:t>
+              <a:t>8/11/2020</a:t>
             </a:fld>
             <a:endParaRPr lang="en-US"/>
           </a:p>
@@ -1313,7 +1313,7 @@
           <a:p>
             <a:fld id="{F0C4CE9D-7725-43A8-98BF-700C25864E51}" type="datetime1">
               <a:rPr lang="en-US" smtClean="0"/>
-              <a:t>8/10/2020</a:t>
+              <a:t>8/11/2020</a:t>
             </a:fld>
             <a:endParaRPr lang="en-US"/>
           </a:p>
@@ -1414,7 +1414,7 @@
           </a:ln>
           <a:extLst>
             <a:ext uri="{91240B29-F687-4f45-9708-019B960494DF}">
-              <a14:hiddenLine xmlns="" xmlns:a14="http://schemas.microsoft.com/office/drawing/2010/main" w="9525">
+              <a14:hiddenLine xmlns:a14="http://schemas.microsoft.com/office/drawing/2010/main" xmlns="" w="9525">
                 <a:solidFill>
                   <a:srgbClr val="000000"/>
                 </a:solidFill>
@@ -1469,7 +1469,7 @@
           </a:ln>
           <a:extLst>
             <a:ext uri="{91240B29-F687-4f45-9708-019B960494DF}">
-              <a14:hiddenLine xmlns="" xmlns:a14="http://schemas.microsoft.com/office/drawing/2010/main" w="9525">
+              <a14:hiddenLine xmlns:a14="http://schemas.microsoft.com/office/drawing/2010/main" xmlns="" w="9525">
                 <a:solidFill>
                   <a:srgbClr val="000000"/>
                 </a:solidFill>
@@ -1724,7 +1724,7 @@
           <a:p>
             <a:fld id="{5E8F2687-4B16-4E7C-8FB8-23D841B74231}" type="datetime1">
               <a:rPr lang="en-US" smtClean="0"/>
-              <a:t>8/10/2020</a:t>
+              <a:t>8/11/2020</a:t>
             </a:fld>
             <a:endParaRPr lang="en-US"/>
           </a:p>
@@ -1973,7 +1973,7 @@
           <a:p>
             <a:fld id="{5E8F2687-4B16-4E7C-8FB8-23D841B74231}" type="datetime1">
               <a:rPr lang="en-US" smtClean="0"/>
-              <a:t>8/10/2020</a:t>
+              <a:t>8/11/2020</a:t>
             </a:fld>
             <a:endParaRPr lang="en-US"/>
           </a:p>
@@ -2514,7 +2514,7 @@
           <a:p>
             <a:fld id="{5E8F2687-4B16-4E7C-8FB8-23D841B74231}" type="datetime1">
               <a:rPr lang="en-US" smtClean="0"/>
-              <a:t>8/10/2020</a:t>
+              <a:t>8/11/2020</a:t>
             </a:fld>
             <a:endParaRPr lang="en-US"/>
           </a:p>
@@ -2763,7 +2763,7 @@
           <a:p>
             <a:fld id="{5E8F2687-4B16-4E7C-8FB8-23D841B74231}" type="datetime1">
               <a:rPr lang="en-US" smtClean="0"/>
-              <a:t>8/10/2020</a:t>
+              <a:t>8/11/2020</a:t>
             </a:fld>
             <a:endParaRPr lang="en-US"/>
           </a:p>
@@ -3296,7 +3296,7 @@
           <a:p>
             <a:fld id="{5E8F2687-4B16-4E7C-8FB8-23D841B74231}" type="datetime1">
               <a:rPr lang="en-US" smtClean="0"/>
-              <a:t>8/10/2020</a:t>
+              <a:t>8/11/2020</a:t>
             </a:fld>
             <a:endParaRPr lang="en-US"/>
           </a:p>
@@ -3594,7 +3594,7 @@
           <a:p>
             <a:fld id="{5E8F2687-4B16-4E7C-8FB8-23D841B74231}" type="datetime1">
               <a:rPr lang="en-US" smtClean="0"/>
-              <a:t>8/10/2020</a:t>
+              <a:t>8/11/2020</a:t>
             </a:fld>
             <a:endParaRPr lang="en-US"/>
           </a:p>
@@ -3769,7 +3769,7 @@
           <a:p>
             <a:fld id="{238513A2-3E2F-425F-AD68-A2408D84D815}" type="datetime1">
               <a:rPr lang="en-US" smtClean="0"/>
-              <a:t>8/10/2020</a:t>
+              <a:t>8/11/2020</a:t>
             </a:fld>
             <a:endParaRPr lang="en-US"/>
           </a:p>
@@ -3949,7 +3949,7 @@
           <a:p>
             <a:fld id="{863958B2-29AE-4EF1-8DF0-A917DC00BEA0}" type="datetime1">
               <a:rPr lang="en-US" smtClean="0"/>
-              <a:t>8/10/2020</a:t>
+              <a:t>8/11/2020</a:t>
             </a:fld>
             <a:endParaRPr lang="en-US"/>
           </a:p>
@@ -4134,7 +4134,7 @@
           <a:p>
             <a:fld id="{DCF1469B-1F93-476A-B82E-CC38CC176FD3}" type="datetime1">
               <a:rPr lang="en-US" smtClean="0"/>
-              <a:t>8/10/2020</a:t>
+              <a:t>8/11/2020</a:t>
             </a:fld>
             <a:endParaRPr lang="en-US"/>
           </a:p>
@@ -4390,7 +4390,7 @@
           <a:p>
             <a:fld id="{9ADD6871-AA85-468F-A337-48C3005ABF0D}" type="datetime1">
               <a:rPr lang="en-US" smtClean="0"/>
-              <a:t>8/10/2020</a:t>
+              <a:t>8/11/2020</a:t>
             </a:fld>
             <a:endParaRPr lang="en-US"/>
           </a:p>
@@ -4692,7 +4692,7 @@
           <a:p>
             <a:fld id="{EAB46C8C-063C-449A-B670-260814863387}" type="datetime1">
               <a:rPr lang="en-US" smtClean="0"/>
-              <a:t>8/10/2020</a:t>
+              <a:t>8/11/2020</a:t>
             </a:fld>
             <a:endParaRPr lang="en-US"/>
           </a:p>
@@ -5134,7 +5134,7 @@
           <a:p>
             <a:fld id="{229EBAA1-7AE6-42F3-9E3A-C9221528597D}" type="datetime1">
               <a:rPr lang="en-US" smtClean="0"/>
-              <a:t>8/10/2020</a:t>
+              <a:t>8/11/2020</a:t>
             </a:fld>
             <a:endParaRPr lang="en-US"/>
           </a:p>
@@ -5252,7 +5252,7 @@
           <a:p>
             <a:fld id="{428DC84F-2007-473B-8392-78F319282999}" type="datetime1">
               <a:rPr lang="en-US" smtClean="0"/>
-              <a:t>8/10/2020</a:t>
+              <a:t>8/11/2020</a:t>
             </a:fld>
             <a:endParaRPr lang="en-US"/>
           </a:p>
@@ -5347,7 +5347,7 @@
           <a:p>
             <a:fld id="{424DAABA-9F15-4ECA-8E23-E229F4859860}" type="datetime1">
               <a:rPr lang="en-US" smtClean="0"/>
-              <a:t>8/10/2020</a:t>
+              <a:t>8/11/2020</a:t>
             </a:fld>
             <a:endParaRPr lang="en-US"/>
           </a:p>
@@ -5630,7 +5630,7 @@
           <a:p>
             <a:fld id="{0C41EC08-1176-4EDD-B800-DF490C1DBDEF}" type="datetime1">
               <a:rPr lang="en-US" smtClean="0"/>
-              <a:t>8/10/2020</a:t>
+              <a:t>8/11/2020</a:t>
             </a:fld>
             <a:endParaRPr lang="en-US"/>
           </a:p>
@@ -5921,7 +5921,7 @@
           <a:p>
             <a:fld id="{D05B581F-683D-47F0-B10F-AC3044E9E9D8}" type="datetime1">
               <a:rPr lang="en-US" smtClean="0"/>
-              <a:t>8/10/2020</a:t>
+              <a:t>8/11/2020</a:t>
             </a:fld>
             <a:endParaRPr lang="en-US"/>
           </a:p>
@@ -6445,7 +6445,7 @@
           <a:p>
             <a:fld id="{5E8F2687-4B16-4E7C-8FB8-23D841B74231}" type="datetime1">
               <a:rPr lang="en-US" smtClean="0"/>
-              <a:t>8/10/2020</a:t>
+              <a:t>8/11/2020</a:t>
             </a:fld>
             <a:endParaRPr lang="en-US"/>
           </a:p>
@@ -6992,7 +6992,7 @@
         </p:blipFill>
         <p:spPr>
           <a:xfrm>
-            <a:off x="3200400" y="633983"/>
+            <a:off x="3463860" y="528362"/>
             <a:ext cx="2480945" cy="2480945"/>
           </a:xfrm>
           <a:prstGeom prst="rect">
@@ -7009,8 +7009,8 @@
         </p:nvSpPr>
         <p:spPr>
           <a:xfrm>
-            <a:off x="2077942" y="3442018"/>
-            <a:ext cx="5532284" cy="923330"/>
+            <a:off x="1976662" y="3363277"/>
+            <a:ext cx="5455340" cy="923330"/>
           </a:xfrm>
           <a:prstGeom prst="rect">
             <a:avLst/>
@@ -7038,46 +7038,25 @@
               <a:t> </a:t>
             </a:r>
             <a:r>
-              <a:rPr lang="en-US" sz="5400" b="1" err="1" smtClean="0">
+              <a:rPr lang="en-US" sz="5400" b="1" smtClean="0">
                 <a:latin typeface="Arial" panose="020B0604020202020204" pitchFamily="34" charset="0"/>
                 <a:cs typeface="Arial" panose="020B0604020202020204" pitchFamily="34" charset="0"/>
               </a:rPr>
               <a:t>cáo</a:t>
             </a:r>
             <a:r>
+              <a:rPr lang="en-US" sz="5400" b="1">
+                <a:latin typeface="Arial" panose="020B0604020202020204" pitchFamily="34" charset="0"/>
+                <a:cs typeface="Arial" panose="020B0604020202020204" pitchFamily="34" charset="0"/>
+              </a:rPr>
+              <a:t> </a:t>
+            </a:r>
+            <a:r>
               <a:rPr lang="en-US" sz="5400" b="1" smtClean="0">
                 <a:latin typeface="Arial" panose="020B0604020202020204" pitchFamily="34" charset="0"/>
                 <a:cs typeface="Arial" panose="020B0604020202020204" pitchFamily="34" charset="0"/>
               </a:rPr>
-              <a:t> </a:t>
-            </a:r>
-            <a:r>
-              <a:rPr lang="en-US" sz="5400" b="1" err="1" smtClean="0">
-                <a:latin typeface="Arial" panose="020B0604020202020204" pitchFamily="34" charset="0"/>
-                <a:cs typeface="Arial" panose="020B0604020202020204" pitchFamily="34" charset="0"/>
-              </a:rPr>
-              <a:t>tiến</a:t>
-            </a:r>
-            <a:r>
-              <a:rPr lang="en-US" sz="5400" b="1" smtClean="0">
-                <a:latin typeface="Arial" panose="020B0604020202020204" pitchFamily="34" charset="0"/>
-                <a:cs typeface="Arial" panose="020B0604020202020204" pitchFamily="34" charset="0"/>
-              </a:rPr>
-              <a:t> </a:t>
-            </a:r>
-            <a:r>
-              <a:rPr lang="en-US" sz="5400" b="1" err="1" smtClean="0">
-                <a:latin typeface="Arial" panose="020B0604020202020204" pitchFamily="34" charset="0"/>
-                <a:cs typeface="Arial" panose="020B0604020202020204" pitchFamily="34" charset="0"/>
-              </a:rPr>
-              <a:t>độ</a:t>
-            </a:r>
-            <a:r>
-              <a:rPr lang="en-US" sz="5400" b="1" smtClean="0">
-                <a:latin typeface="Arial" panose="020B0604020202020204" pitchFamily="34" charset="0"/>
-                <a:cs typeface="Arial" panose="020B0604020202020204" pitchFamily="34" charset="0"/>
-              </a:rPr>
-              <a:t> </a:t>
+              <a:t>cuối kỳ</a:t>
             </a:r>
             <a:endParaRPr lang="en-US" sz="5400" b="1">
               <a:latin typeface="Arial" panose="020B0604020202020204" pitchFamily="34" charset="0"/>
@@ -7137,7 +7116,7 @@
         </p:nvSpPr>
         <p:spPr>
           <a:xfrm>
-            <a:off x="5024422" y="5230770"/>
+            <a:off x="5051989" y="5395525"/>
             <a:ext cx="3863558" cy="400110"/>
           </a:xfrm>
           <a:prstGeom prst="rect">
@@ -7216,7 +7195,7 @@
         <p:spPr>
           <a:xfrm>
             <a:off x="7620000" y="5800184"/>
-            <a:ext cx="1184940" cy="369332"/>
+            <a:ext cx="1295547" cy="400110"/>
           </a:xfrm>
           <a:prstGeom prst="rect">
             <a:avLst/>
@@ -7230,27 +7209,27 @@
           <a:lstStyle/>
           <a:p>
             <a:r>
-              <a:rPr lang="en-US" err="1">
+              <a:rPr lang="en-US" sz="2000" err="1">
                 <a:latin typeface="Arial" panose="020B0604020202020204" pitchFamily="34" charset="0"/>
                 <a:cs typeface="Arial" panose="020B0604020202020204" pitchFamily="34" charset="0"/>
               </a:rPr>
               <a:t>Nhóm</a:t>
             </a:r>
             <a:r>
-              <a:rPr lang="en-US">
+              <a:rPr lang="en-US" sz="2000">
                 <a:latin typeface="Arial" panose="020B0604020202020204" pitchFamily="34" charset="0"/>
                 <a:cs typeface="Arial" panose="020B0604020202020204" pitchFamily="34" charset="0"/>
               </a:rPr>
               <a:t>: </a:t>
             </a:r>
             <a:r>
-              <a:rPr lang="en-US" smtClean="0">
+              <a:rPr lang="en-US" sz="2000" smtClean="0">
                 <a:latin typeface="Arial" panose="020B0604020202020204" pitchFamily="34" charset="0"/>
                 <a:cs typeface="Arial" panose="020B0604020202020204" pitchFamily="34" charset="0"/>
               </a:rPr>
               <a:t>15</a:t>
             </a:r>
-            <a:endParaRPr lang="en-US">
+            <a:endParaRPr lang="en-US" sz="2000">
               <a:latin typeface="Arial" panose="020B0604020202020204" pitchFamily="34" charset="0"/>
               <a:cs typeface="Arial" panose="020B0604020202020204" pitchFamily="34" charset="0"/>
             </a:endParaRPr>
@@ -7304,40 +7283,69 @@
             <p:ph type="title"/>
           </p:nvPr>
         </p:nvSpPr>
-        <p:spPr/>
+        <p:spPr>
+          <a:xfrm>
+            <a:off x="557712" y="304800"/>
+            <a:ext cx="7704667" cy="1981200"/>
+          </a:xfrm>
+        </p:spPr>
         <p:txBody>
           <a:bodyPr/>
           <a:lstStyle/>
           <a:p>
             <a:r>
-              <a:rPr lang="en-US" err="1" smtClean="0"/>
+              <a:rPr lang="en-US" err="1" smtClean="0">
+                <a:latin typeface="Arial" panose="020B0604020202020204" pitchFamily="34" charset="0"/>
+                <a:cs typeface="Arial" panose="020B0604020202020204" pitchFamily="34" charset="0"/>
+              </a:rPr>
               <a:t>Thành</a:t>
             </a:r>
             <a:r>
-              <a:rPr lang="en-US" smtClean="0"/>
+              <a:rPr lang="en-US" smtClean="0">
+                <a:latin typeface="Arial" panose="020B0604020202020204" pitchFamily="34" charset="0"/>
+                <a:cs typeface="Arial" panose="020B0604020202020204" pitchFamily="34" charset="0"/>
+              </a:rPr>
               <a:t> </a:t>
             </a:r>
             <a:r>
-              <a:rPr lang="en-US" err="1" smtClean="0"/>
+              <a:rPr lang="en-US" err="1" smtClean="0">
+                <a:latin typeface="Arial" panose="020B0604020202020204" pitchFamily="34" charset="0"/>
+                <a:cs typeface="Arial" panose="020B0604020202020204" pitchFamily="34" charset="0"/>
+              </a:rPr>
               <a:t>viên</a:t>
             </a:r>
             <a:r>
-              <a:rPr lang="en-US" smtClean="0"/>
+              <a:rPr lang="en-US" smtClean="0">
+                <a:latin typeface="Arial" panose="020B0604020202020204" pitchFamily="34" charset="0"/>
+                <a:cs typeface="Arial" panose="020B0604020202020204" pitchFamily="34" charset="0"/>
+              </a:rPr>
               <a:t> </a:t>
             </a:r>
             <a:r>
-              <a:rPr lang="en-US" err="1" smtClean="0"/>
+              <a:rPr lang="en-US" err="1" smtClean="0">
+                <a:latin typeface="Arial" panose="020B0604020202020204" pitchFamily="34" charset="0"/>
+                <a:cs typeface="Arial" panose="020B0604020202020204" pitchFamily="34" charset="0"/>
+              </a:rPr>
               <a:t>trong</a:t>
             </a:r>
             <a:r>
-              <a:rPr lang="en-US" smtClean="0"/>
+              <a:rPr lang="en-US" smtClean="0">
+                <a:latin typeface="Arial" panose="020B0604020202020204" pitchFamily="34" charset="0"/>
+                <a:cs typeface="Arial" panose="020B0604020202020204" pitchFamily="34" charset="0"/>
+              </a:rPr>
               <a:t> </a:t>
             </a:r>
             <a:r>
-              <a:rPr lang="en-US" err="1" smtClean="0"/>
+              <a:rPr lang="en-US" err="1" smtClean="0">
+                <a:latin typeface="Arial" panose="020B0604020202020204" pitchFamily="34" charset="0"/>
+                <a:cs typeface="Arial" panose="020B0604020202020204" pitchFamily="34" charset="0"/>
+              </a:rPr>
               <a:t>nhóm</a:t>
             </a:r>
-            <a:endParaRPr lang="en-US"/>
+            <a:endParaRPr lang="en-US">
+              <a:latin typeface="Arial" panose="020B0604020202020204" pitchFamily="34" charset="0"/>
+              <a:cs typeface="Arial" panose="020B0604020202020204" pitchFamily="34" charset="0"/>
+            </a:endParaRPr>
           </a:p>
         </p:txBody>
       </p:sp>
@@ -7351,14 +7359,14 @@
             <p:ph idx="1"/>
             <p:extLst>
               <p:ext uri="{D42A27DB-BD31-4B8C-83A1-F6EECF244321}">
-                <p14:modId xmlns:p14="http://schemas.microsoft.com/office/powerpoint/2010/main" val="1223469397"/>
+                <p14:modId xmlns:p14="http://schemas.microsoft.com/office/powerpoint/2010/main" val="4051628161"/>
               </p:ext>
             </p:extLst>
           </p:nvPr>
         </p:nvGraphicFramePr>
         <p:xfrm>
-          <a:off x="304800" y="2403144"/>
-          <a:ext cx="8534400" cy="2548890"/>
+          <a:off x="304800" y="2667000"/>
+          <a:ext cx="8534400" cy="2930856"/>
         </p:xfrm>
         <a:graphic>
           <a:graphicData uri="http://schemas.openxmlformats.org/drawingml/2006/table">
@@ -7372,7 +7380,7 @@
                 <a:gridCol w="2904617"/>
                 <a:gridCol w="2130234"/>
               </a:tblGrid>
-              <a:tr h="628650">
+              <a:tr h="965252">
                 <a:tc>
                   <a:txBody>
                     <a:bodyPr/>
@@ -7380,7 +7388,7 @@
                     <a:p>
                       <a:pPr algn="l"/>
                       <a:r>
-                        <a:rPr lang="en-US" smtClean="0">
+                        <a:rPr lang="en-US" sz="2400" smtClean="0">
                           <a:solidFill>
                             <a:schemeClr val="tx1"/>
                           </a:solidFill>
@@ -7389,7 +7397,7 @@
                         </a:rPr>
                         <a:t>MSSV</a:t>
                       </a:r>
-                      <a:endParaRPr lang="en-US">
+                      <a:endParaRPr lang="en-US" sz="2400">
                         <a:solidFill>
                           <a:schemeClr val="tx1"/>
                         </a:solidFill>
@@ -7407,7 +7415,7 @@
                     <a:p>
                       <a:pPr algn="l"/>
                       <a:r>
-                        <a:rPr lang="en-US" err="1" smtClean="0">
+                        <a:rPr lang="en-US" sz="2400" err="1" smtClean="0">
                           <a:solidFill>
                             <a:schemeClr val="tx1"/>
                           </a:solidFill>
@@ -7417,7 +7425,7 @@
                         <a:t>Họ</a:t>
                       </a:r>
                       <a:r>
-                        <a:rPr lang="en-US" baseline="0" smtClean="0">
+                        <a:rPr lang="en-US" sz="2400" baseline="0" smtClean="0">
                           <a:solidFill>
                             <a:schemeClr val="tx1"/>
                           </a:solidFill>
@@ -7427,7 +7435,7 @@
                         <a:t> </a:t>
                       </a:r>
                       <a:r>
-                        <a:rPr lang="en-US" baseline="0" err="1" smtClean="0">
+                        <a:rPr lang="en-US" sz="2400" baseline="0" err="1" smtClean="0">
                           <a:solidFill>
                             <a:schemeClr val="tx1"/>
                           </a:solidFill>
@@ -7437,7 +7445,7 @@
                         <a:t>và</a:t>
                       </a:r>
                       <a:r>
-                        <a:rPr lang="en-US" baseline="0" smtClean="0">
+                        <a:rPr lang="en-US" sz="2400" baseline="0" smtClean="0">
                           <a:solidFill>
                             <a:schemeClr val="tx1"/>
                           </a:solidFill>
@@ -7447,7 +7455,7 @@
                         <a:t> </a:t>
                       </a:r>
                       <a:r>
-                        <a:rPr lang="en-US" baseline="0" err="1" smtClean="0">
+                        <a:rPr lang="en-US" sz="2400" baseline="0" err="1" smtClean="0">
                           <a:solidFill>
                             <a:schemeClr val="tx1"/>
                           </a:solidFill>
@@ -7456,7 +7464,7 @@
                         </a:rPr>
                         <a:t>tên</a:t>
                       </a:r>
-                      <a:endParaRPr lang="en-US">
+                      <a:endParaRPr lang="en-US" sz="2400">
                         <a:solidFill>
                           <a:schemeClr val="tx1"/>
                         </a:solidFill>
@@ -7474,7 +7482,7 @@
                     <a:p>
                       <a:pPr algn="l"/>
                       <a:r>
-                        <a:rPr lang="en-US" err="1" smtClean="0">
+                        <a:rPr lang="en-US" sz="2400" err="1" smtClean="0">
                           <a:solidFill>
                             <a:schemeClr val="tx1"/>
                           </a:solidFill>
@@ -7484,7 +7492,7 @@
                         <a:t>Công</a:t>
                       </a:r>
                       <a:r>
-                        <a:rPr lang="en-US" baseline="0" smtClean="0">
+                        <a:rPr lang="en-US" sz="2400" baseline="0" smtClean="0">
                           <a:solidFill>
                             <a:schemeClr val="tx1"/>
                           </a:solidFill>
@@ -7494,7 +7502,7 @@
                         <a:t> </a:t>
                       </a:r>
                       <a:r>
-                        <a:rPr lang="en-US" baseline="0" err="1" smtClean="0">
+                        <a:rPr lang="en-US" sz="2400" baseline="0" err="1" smtClean="0">
                           <a:solidFill>
                             <a:schemeClr val="tx1"/>
                           </a:solidFill>
@@ -7503,7 +7511,7 @@
                         </a:rPr>
                         <a:t>việc</a:t>
                       </a:r>
-                      <a:endParaRPr lang="en-US">
+                      <a:endParaRPr lang="en-US" sz="2400">
                         <a:solidFill>
                           <a:schemeClr val="tx1"/>
                         </a:solidFill>
@@ -7521,7 +7529,7 @@
                     <a:p>
                       <a:pPr algn="l"/>
                       <a:r>
-                        <a:rPr lang="en-US" smtClean="0">
+                        <a:rPr lang="en-US" sz="2400" smtClean="0">
                           <a:solidFill>
                             <a:schemeClr val="tx1"/>
                           </a:solidFill>
@@ -7530,7 +7538,7 @@
                         </a:rPr>
                         <a:t>Link</a:t>
                       </a:r>
-                      <a:endParaRPr lang="en-US">
+                      <a:endParaRPr lang="en-US" sz="2400">
                         <a:solidFill>
                           <a:schemeClr val="tx1"/>
                         </a:solidFill>
@@ -7542,7 +7550,7 @@
                   <a:tcPr/>
                 </a:tc>
               </a:tr>
-              <a:tr h="628650">
+              <a:tr h="982802">
                 <a:tc>
                   <a:txBody>
                     <a:bodyPr/>
@@ -7643,59 +7651,13 @@
                     <a:lstStyle/>
                     <a:p>
                       <a:r>
-                        <a:rPr lang="en-US" smtClean="0"/>
-                        <a:t>Load from Source to local</a:t>
-                      </a:r>
-                      <a:endParaRPr lang="en-US"/>
-                    </a:p>
-                  </a:txBody>
-                  <a:tcPr/>
-                </a:tc>
-                <a:tc>
-                  <a:txBody>
-                    <a:bodyPr/>
-                    <a:lstStyle/>
-                    <a:p>
-                      <a:pPr algn="l"/>
-                      <a:r>
-                        <a:rPr lang="en-US" sz="1200" smtClean="0">
-                          <a:hlinkClick r:id="rId2"/>
-                        </a:rPr>
-                        <a:t>https://github.com/ThanhHiep1998/Data-Warehouse-2020_chieu_nhom-15</a:t>
-                      </a:r>
-                      <a:endParaRPr lang="en-US" sz="1200">
-                        <a:solidFill>
-                          <a:schemeClr val="tx1"/>
-                        </a:solidFill>
-                        <a:latin typeface="Arial" panose="020B0604020202020204" pitchFamily="34" charset="0"/>
-                        <a:cs typeface="Arial" panose="020B0604020202020204" pitchFamily="34" charset="0"/>
-                      </a:endParaRPr>
-                    </a:p>
-                  </a:txBody>
-                  <a:tcPr/>
-                </a:tc>
-              </a:tr>
-              <a:tr h="628650">
-                <a:tc>
-                  <a:txBody>
-                    <a:bodyPr/>
-                    <a:lstStyle/>
-                    <a:p>
-                      <a:pPr algn="l"/>
-                      <a:r>
                         <a:rPr lang="en-US" smtClean="0">
-                          <a:solidFill>
-                            <a:schemeClr val="tx1"/>
-                          </a:solidFill>
                           <a:latin typeface="Arial" panose="020B0604020202020204" pitchFamily="34" charset="0"/>
                           <a:cs typeface="Arial" panose="020B0604020202020204" pitchFamily="34" charset="0"/>
                         </a:rPr>
-                        <a:t>17130058</a:t>
+                        <a:t>Load from Source to local</a:t>
                       </a:r>
                       <a:endParaRPr lang="en-US">
-                        <a:solidFill>
-                          <a:schemeClr val="tx1"/>
-                        </a:solidFill>
                         <a:latin typeface="Arial" panose="020B0604020202020204" pitchFamily="34" charset="0"/>
                         <a:cs typeface="Arial" panose="020B0604020202020204" pitchFamily="34" charset="0"/>
                       </a:endParaRPr>
@@ -7710,117 +7672,14 @@
                     <a:p>
                       <a:pPr algn="l"/>
                       <a:r>
-                        <a:rPr lang="en-US" err="1" smtClean="0">
-                          <a:solidFill>
-                            <a:schemeClr val="tx1"/>
-                          </a:solidFill>
+                        <a:rPr lang="en-US" sz="1600" smtClean="0">
                           <a:latin typeface="Arial" panose="020B0604020202020204" pitchFamily="34" charset="0"/>
                           <a:cs typeface="Arial" panose="020B0604020202020204" pitchFamily="34" charset="0"/>
-                        </a:rPr>
-                        <a:t>Trương</a:t>
-                      </a:r>
-                      <a:r>
-                        <a:rPr lang="en-US" baseline="0" smtClean="0">
-                          <a:solidFill>
-                            <a:schemeClr val="tx1"/>
-                          </a:solidFill>
-                          <a:latin typeface="Arial" panose="020B0604020202020204" pitchFamily="34" charset="0"/>
-                          <a:cs typeface="Arial" panose="020B0604020202020204" pitchFamily="34" charset="0"/>
-                        </a:rPr>
-                        <a:t> </a:t>
-                      </a:r>
-                      <a:r>
-                        <a:rPr lang="en-US" baseline="0" err="1" smtClean="0">
-                          <a:solidFill>
-                            <a:schemeClr val="tx1"/>
-                          </a:solidFill>
-                          <a:latin typeface="Arial" panose="020B0604020202020204" pitchFamily="34" charset="0"/>
-                          <a:cs typeface="Arial" panose="020B0604020202020204" pitchFamily="34" charset="0"/>
-                        </a:rPr>
-                        <a:t>Thị</a:t>
-                      </a:r>
-                      <a:r>
-                        <a:rPr lang="en-US" baseline="0" smtClean="0">
-                          <a:solidFill>
-                            <a:schemeClr val="tx1"/>
-                          </a:solidFill>
-                          <a:latin typeface="Arial" panose="020B0604020202020204" pitchFamily="34" charset="0"/>
-                          <a:cs typeface="Arial" panose="020B0604020202020204" pitchFamily="34" charset="0"/>
-                        </a:rPr>
-                        <a:t> </a:t>
-                      </a:r>
-                      <a:r>
-                        <a:rPr lang="en-US" baseline="0" err="1" smtClean="0">
-                          <a:solidFill>
-                            <a:schemeClr val="tx1"/>
-                          </a:solidFill>
-                          <a:latin typeface="Arial" panose="020B0604020202020204" pitchFamily="34" charset="0"/>
-                          <a:cs typeface="Arial" panose="020B0604020202020204" pitchFamily="34" charset="0"/>
-                        </a:rPr>
-                        <a:t>Mỹ</a:t>
-                      </a:r>
-                      <a:r>
-                        <a:rPr lang="en-US" baseline="0" smtClean="0">
-                          <a:solidFill>
-                            <a:schemeClr val="tx1"/>
-                          </a:solidFill>
-                          <a:latin typeface="Arial" panose="020B0604020202020204" pitchFamily="34" charset="0"/>
-                          <a:cs typeface="Arial" panose="020B0604020202020204" pitchFamily="34" charset="0"/>
-                        </a:rPr>
-                        <a:t> </a:t>
-                      </a:r>
-                      <a:r>
-                        <a:rPr lang="en-US" baseline="0" err="1" smtClean="0">
-                          <a:solidFill>
-                            <a:schemeClr val="tx1"/>
-                          </a:solidFill>
-                          <a:latin typeface="Arial" panose="020B0604020202020204" pitchFamily="34" charset="0"/>
-                          <a:cs typeface="Arial" panose="020B0604020202020204" pitchFamily="34" charset="0"/>
-                        </a:rPr>
-                        <a:t>Hảo</a:t>
-                      </a:r>
-                      <a:endParaRPr lang="en-US">
-                        <a:solidFill>
-                          <a:schemeClr val="tx1"/>
-                        </a:solidFill>
-                        <a:latin typeface="Arial" panose="020B0604020202020204" pitchFamily="34" charset="0"/>
-                        <a:cs typeface="Arial" panose="020B0604020202020204" pitchFamily="34" charset="0"/>
-                      </a:endParaRPr>
-                    </a:p>
-                  </a:txBody>
-                  <a:tcPr/>
-                </a:tc>
-                <a:tc>
-                  <a:txBody>
-                    <a:bodyPr/>
-                    <a:lstStyle/>
-                    <a:p>
-                      <a:r>
-                        <a:rPr lang="en-US" smtClean="0"/>
-                        <a:t>Load</a:t>
-                      </a:r>
-                      <a:r>
-                        <a:rPr lang="en-US" baseline="0" smtClean="0"/>
-                        <a:t> from Local to Staging</a:t>
-                      </a:r>
-                      <a:endParaRPr lang="en-US"/>
-                    </a:p>
-                  </a:txBody>
-                  <a:tcPr/>
-                </a:tc>
-                <a:tc>
-                  <a:txBody>
-                    <a:bodyPr/>
-                    <a:lstStyle/>
-                    <a:p>
-                      <a:pPr algn="l"/>
-                      <a:r>
-                        <a:rPr lang="en-US" sz="1200" smtClean="0">
                           <a:hlinkClick r:id="rId2"/>
                         </a:rPr>
-                        <a:t>https://github.com/ThanhHiep1998/Data-Warehouse-2020_chieu_nhom-15</a:t>
+                        <a:t>https://github.com/ThanhHiep1998/DataWarehouse_nhom15</a:t>
                       </a:r>
-                      <a:endParaRPr lang="en-US" sz="1200">
+                      <a:endParaRPr lang="en-US" sz="1600">
                         <a:solidFill>
                           <a:schemeClr val="tx1"/>
                         </a:solidFill>
@@ -7832,7 +7691,7 @@
                   <a:tcPr/>
                 </a:tc>
               </a:tr>
-              <a:tr h="628650">
+              <a:tr h="982802">
                 <a:tc>
                   <a:txBody>
                     <a:bodyPr/>
@@ -7913,10 +7772,16 @@
                     <a:lstStyle/>
                     <a:p>
                       <a:r>
-                        <a:rPr lang="en-US" smtClean="0"/>
+                        <a:rPr lang="en-US" smtClean="0">
+                          <a:latin typeface="Arial" panose="020B0604020202020204" pitchFamily="34" charset="0"/>
+                          <a:cs typeface="Arial" panose="020B0604020202020204" pitchFamily="34" charset="0"/>
+                        </a:rPr>
                         <a:t>Load from Staging to DW</a:t>
                       </a:r>
-                      <a:endParaRPr lang="en-US"/>
+                      <a:endParaRPr lang="en-US">
+                        <a:latin typeface="Arial" panose="020B0604020202020204" pitchFamily="34" charset="0"/>
+                        <a:cs typeface="Arial" panose="020B0604020202020204" pitchFamily="34" charset="0"/>
+                      </a:endParaRPr>
                     </a:p>
                   </a:txBody>
                   <a:tcPr/>
@@ -7928,12 +7793,14 @@
                     <a:p>
                       <a:pPr algn="l"/>
                       <a:r>
-                        <a:rPr lang="en-US" sz="1200" smtClean="0">
+                        <a:rPr lang="en-US" sz="1600" smtClean="0">
+                          <a:latin typeface="Arial" panose="020B0604020202020204" pitchFamily="34" charset="0"/>
+                          <a:cs typeface="Arial" panose="020B0604020202020204" pitchFamily="34" charset="0"/>
                           <a:hlinkClick r:id="rId2"/>
                         </a:rPr>
-                        <a:t>https://github.com/ThanhHiep1998/Data-Warehouse-2020_chieu_nhom-15</a:t>
+                        <a:t>https://github.com/ThanhHiep1998/DataWarehouse_nhom15</a:t>
                       </a:r>
-                      <a:endParaRPr lang="en-US" sz="1200">
+                      <a:endParaRPr lang="en-US" sz="1600">
                         <a:solidFill>
                           <a:schemeClr val="tx1"/>
                         </a:solidFill>
@@ -8126,7 +7993,7 @@
       </p:sp>
       <p:pic>
         <p:nvPicPr>
-          <p:cNvPr id="2" name="Picture 1"/>
+          <p:cNvPr id="5" name="Picture 4"/>
           <p:cNvPicPr>
             <a:picLocks noChangeAspect="1"/>
           </p:cNvPicPr>
@@ -8146,8 +8013,8 @@
         </p:blipFill>
         <p:spPr>
           <a:xfrm>
-            <a:off x="721057" y="1057548"/>
-            <a:ext cx="7723393" cy="5415750"/>
+            <a:off x="304800" y="767882"/>
+            <a:ext cx="8569657" cy="6009162"/>
           </a:xfrm>
           <a:prstGeom prst="rect">
             <a:avLst/>

--- a/DataWarehouse_2020_chieu_nhom15.pptx
+++ b/DataWarehouse_2020_chieu_nhom15.pptx
@@ -1414,7 +1414,7 @@
           </a:ln>
           <a:extLst>
             <a:ext uri="{91240B29-F687-4f45-9708-019B960494DF}">
-              <a14:hiddenLine xmlns:a14="http://schemas.microsoft.com/office/drawing/2010/main" xmlns="" w="9525">
+              <a14:hiddenLine xmlns="" xmlns:a14="http://schemas.microsoft.com/office/drawing/2010/main" w="9525">
                 <a:solidFill>
                   <a:srgbClr val="000000"/>
                 </a:solidFill>
@@ -1469,7 +1469,7 @@
           </a:ln>
           <a:extLst>
             <a:ext uri="{91240B29-F687-4f45-9708-019B960494DF}">
-              <a14:hiddenLine xmlns:a14="http://schemas.microsoft.com/office/drawing/2010/main" xmlns="" w="9525">
+              <a14:hiddenLine xmlns="" xmlns:a14="http://schemas.microsoft.com/office/drawing/2010/main" w="9525">
                 <a:solidFill>
                   <a:srgbClr val="000000"/>
                 </a:solidFill>
@@ -7035,14 +7035,7 @@
                 <a:latin typeface="Arial" panose="020B0604020202020204" pitchFamily="34" charset="0"/>
                 <a:cs typeface="Arial" panose="020B0604020202020204" pitchFamily="34" charset="0"/>
               </a:rPr>
-              <a:t> </a:t>
-            </a:r>
-            <a:r>
-              <a:rPr lang="en-US" sz="5400" b="1" smtClean="0">
-                <a:latin typeface="Arial" panose="020B0604020202020204" pitchFamily="34" charset="0"/>
-                <a:cs typeface="Arial" panose="020B0604020202020204" pitchFamily="34" charset="0"/>
-              </a:rPr>
-              <a:t>cáo</a:t>
+              <a:t> cáo</a:t>
             </a:r>
             <a:r>
               <a:rPr lang="en-US" sz="5400" b="1">
@@ -8228,7 +8221,7 @@
         </p:nvSpPr>
         <p:spPr>
           <a:xfrm>
-            <a:off x="381000" y="304800"/>
+            <a:off x="228600" y="152400"/>
             <a:ext cx="5342467" cy="533400"/>
           </a:xfrm>
         </p:spPr>
@@ -8278,7 +8271,7 @@
       </p:sp>
       <p:pic>
         <p:nvPicPr>
-          <p:cNvPr id="5" name="Picture 4"/>
+          <p:cNvPr id="3" name="Picture 2"/>
           <p:cNvPicPr>
             <a:picLocks noChangeAspect="1"/>
           </p:cNvPicPr>
@@ -8298,8 +8291,8 @@
         </p:blipFill>
         <p:spPr>
           <a:xfrm>
-            <a:off x="1295400" y="1161933"/>
-            <a:ext cx="6430167" cy="5311365"/>
+            <a:off x="1143000" y="685800"/>
+            <a:ext cx="5943600" cy="6031857"/>
           </a:xfrm>
           <a:prstGeom prst="rect">
             <a:avLst/>
